--- a/Lessons/L_APIs_webscraping_dashboarding/dashboards.pptx
+++ b/Lessons/L_APIs_webscraping_dashboarding/dashboards.pptx
@@ -6049,7 +6049,7 @@
         <p:spPr>
           <a:xfrm>
             <a:off x="867103" y="2096813"/>
-            <a:ext cx="1994007" cy="1477328"/>
+            <a:ext cx="2330446" cy="1754326"/>
           </a:xfrm>
           <a:prstGeom prst="rect">
             <a:avLst/>
@@ -6061,6 +6061,13 @@
             <a:spAutoFit/>
           </a:bodyPr>
           <a:lstStyle/>
+          <a:p>
+            <a:r>
+              <a:rPr lang="en-US" dirty="0" err="1"/>
+              <a:t>ZZ_example_pptx.Rmd</a:t>
+            </a:r>
+            <a:endParaRPr lang="en-US" dirty="0"/>
+          </a:p>
           <a:p>
             <a:r>
               <a:rPr lang="en-US" dirty="0"/>
@@ -6894,7 +6901,7 @@
         <p:spPr>
           <a:xfrm>
             <a:off x="642938" y="1600200"/>
-            <a:ext cx="6303842" cy="523220"/>
+            <a:ext cx="3282822" cy="523220"/>
           </a:xfrm>
           <a:prstGeom prst="rect">
             <a:avLst/>
@@ -6909,7 +6916,7 @@
           <a:p>
             <a:r>
               <a:rPr lang="en-US" sz="2800" dirty="0" err="1"/>
-              <a:t>H_flexdashboardHomework_REVISED.rmd</a:t>
+              <a:t>F_flexdashboard.rmd</a:t>
             </a:r>
             <a:endParaRPr lang="en-US" sz="2800" dirty="0"/>
           </a:p>
